--- a/trunk/Course/707 Theory of Computation/testing.pptx
+++ b/trunk/Course/707 Theory of Computation/testing.pptx
@@ -3928,6 +3928,37 @@
           </a:p>
           <a:p>
             <a:r>
+              <a:rPr lang="en-US" dirty="0" err="1" smtClean="0">
+                <a:solidFill>
+                  <a:schemeClr val="tx1"/>
+                </a:solidFill>
+              </a:rPr>
+              <a:t>Xusheng</a:t>
+            </a:r>
+            <a:r>
+              <a:rPr lang="en-US" dirty="0" smtClean="0">
+                <a:solidFill>
+                  <a:schemeClr val="tx1"/>
+                </a:solidFill>
+              </a:rPr>
+              <a:t> </a:t>
+            </a:r>
+            <a:r>
+              <a:rPr lang="en-US" dirty="0" smtClean="0">
+                <a:solidFill>
+                  <a:schemeClr val="tx1"/>
+                </a:solidFill>
+              </a:rPr>
+              <a:t>Xiao</a:t>
+            </a:r>
+            <a:endParaRPr lang="en-US" dirty="0" smtClean="0">
+              <a:solidFill>
+                <a:schemeClr val="tx1"/>
+              </a:solidFill>
+            </a:endParaRPr>
+          </a:p>
+          <a:p>
+            <a:r>
               <a:rPr lang="en-US" dirty="0" smtClean="0">
                 <a:solidFill>
                   <a:schemeClr val="tx1"/>
@@ -3965,24 +3996,6 @@
                 </a:solidFill>
               </a:rPr>
               <a:t>  Lee</a:t>
-            </a:r>
-          </a:p>
-          <a:p>
-            <a:r>
-              <a:rPr lang="en-US" dirty="0" err="1" smtClean="0">
-                <a:solidFill>
-                  <a:schemeClr val="tx1"/>
-                </a:solidFill>
-              </a:rPr>
-              <a:t>Xusheng</a:t>
-            </a:r>
-            <a:r>
-              <a:rPr lang="en-US" dirty="0" smtClean="0">
-                <a:solidFill>
-                  <a:schemeClr val="tx1"/>
-                </a:solidFill>
-              </a:rPr>
-              <a:t> Xiao</a:t>
             </a:r>
           </a:p>
           <a:p>
@@ -4409,15 +4422,7 @@
                   <a:schemeClr val="tx2"/>
                 </a:solidFill>
               </a:rPr>
-              <a:t>Fitness </a:t>
-            </a:r>
-            <a:r>
-              <a:rPr lang="en-US" dirty="0" smtClean="0">
-                <a:solidFill>
-                  <a:schemeClr val="tx2"/>
-                </a:solidFill>
-              </a:rPr>
-              <a:t>Function: Measure the current state and the goal state.</a:t>
+              <a:t>Fitness Function: Measure the current state and the goal state.</a:t>
             </a:r>
           </a:p>
           <a:p>
@@ -5025,7 +5030,6 @@
               <a:rPr lang="en-US" dirty="0" smtClean="0"/>
               <a:t>Web application</a:t>
             </a:r>
-            <a:endParaRPr lang="en-US" dirty="0" smtClean="0"/>
           </a:p>
           <a:p>
             <a:r>
@@ -5236,13 +5240,8 @@
             </a:pPr>
             <a:r>
               <a:rPr lang="en-US" dirty="0" smtClean="0"/>
-              <a:t>	Greedy algorithm:  fitness </a:t>
-            </a:r>
-            <a:r>
-              <a:rPr lang="en-US" dirty="0" smtClean="0"/>
-              <a:t>guided exploration</a:t>
-            </a:r>
-            <a:endParaRPr lang="en-US" dirty="0" smtClean="0"/>
+              <a:t>	Greedy algorithm:  fitness guided exploration</a:t>
+            </a:r>
           </a:p>
           <a:p>
             <a:r>
@@ -5257,19 +5256,7 @@
             </a:pPr>
             <a:r>
               <a:rPr lang="en-US" dirty="0" smtClean="0"/>
-              <a:t>Hampi</a:t>
-            </a:r>
-            <a:r>
-              <a:rPr lang="en-US" dirty="0" smtClean="0"/>
-              <a:t>: </a:t>
-            </a:r>
-            <a:r>
-              <a:rPr lang="en-US" dirty="0" smtClean="0"/>
-              <a:t>Context </a:t>
-            </a:r>
-            <a:r>
-              <a:rPr lang="en-US" dirty="0" smtClean="0"/>
-              <a:t>free grammar</a:t>
+              <a:t>Hampi: Context free grammar</a:t>
             </a:r>
           </a:p>
           <a:p>

--- a/trunk/Course/707 Theory of Computation/testing.pptx
+++ b/trunk/Course/707 Theory of Computation/testing.pptx
@@ -5,7 +5,7 @@
     <p:sldMasterId id="2147483648" r:id="rId1"/>
   </p:sldMasterIdLst>
   <p:notesMasterIdLst>
-    <p:notesMasterId r:id="rId16"/>
+    <p:notesMasterId r:id="rId23"/>
   </p:notesMasterIdLst>
   <p:sldIdLst>
     <p:sldId id="256" r:id="rId2"/>
@@ -22,6 +22,13 @@
     <p:sldId id="263" r:id="rId13"/>
     <p:sldId id="264" r:id="rId14"/>
     <p:sldId id="271" r:id="rId15"/>
+    <p:sldId id="279" r:id="rId16"/>
+    <p:sldId id="280" r:id="rId17"/>
+    <p:sldId id="281" r:id="rId18"/>
+    <p:sldId id="282" r:id="rId19"/>
+    <p:sldId id="283" r:id="rId20"/>
+    <p:sldId id="284" r:id="rId21"/>
+    <p:sldId id="285" r:id="rId22"/>
   </p:sldIdLst>
   <p:sldSz cx="9144000" cy="6858000" type="screen4x3"/>
   <p:notesSz cx="6858000" cy="9144000"/>
@@ -3941,21 +3948,8 @@
                   <a:schemeClr val="tx1"/>
                 </a:solidFill>
               </a:rPr>
-              <a:t> </a:t>
-            </a:r>
-            <a:r>
-              <a:rPr lang="en-US" dirty="0" smtClean="0">
-                <a:solidFill>
-                  <a:schemeClr val="tx1"/>
-                </a:solidFill>
-              </a:rPr>
-              <a:t>Xiao</a:t>
-            </a:r>
-            <a:endParaRPr lang="en-US" dirty="0" smtClean="0">
-              <a:solidFill>
-                <a:schemeClr val="tx1"/>
-              </a:solidFill>
-            </a:endParaRPr>
+              <a:t> Xiao</a:t>
+            </a:r>
           </a:p>
           <a:p>
             <a:r>
@@ -5143,6 +5137,1489 @@
 </p:sld>
 </file>
 
+<file path=ppt/slides/slide15.xml><?xml version="1.0" encoding="utf-8"?>
+<p:sld xmlns:a="http://schemas.openxmlformats.org/drawingml/2006/main" xmlns:r="http://schemas.openxmlformats.org/officeDocument/2006/relationships" xmlns:p="http://schemas.openxmlformats.org/presentationml/2006/main">
+  <p:cSld>
+    <p:spTree>
+      <p:nvGrpSpPr>
+        <p:cNvPr id="1" name=""/>
+        <p:cNvGrpSpPr/>
+        <p:nvPr/>
+      </p:nvGrpSpPr>
+      <p:grpSpPr>
+        <a:xfrm>
+          <a:off x="0" y="0"/>
+          <a:ext cx="0" cy="0"/>
+          <a:chOff x="0" y="0"/>
+          <a:chExt cx="0" cy="0"/>
+        </a:xfrm>
+      </p:grpSpPr>
+      <p:sp>
+        <p:nvSpPr>
+          <p:cNvPr id="2" name="标题 1"/>
+          <p:cNvSpPr>
+            <a:spLocks noGrp="1"/>
+          </p:cNvSpPr>
+          <p:nvPr>
+            <p:ph type="title"/>
+          </p:nvPr>
+        </p:nvSpPr>
+        <p:spPr/>
+        <p:txBody>
+          <a:bodyPr/>
+          <a:lstStyle/>
+          <a:p>
+            <a:r>
+              <a:rPr lang="en-US" dirty="0" smtClean="0"/>
+              <a:t>Input-Space Explosion </a:t>
+            </a:r>
+            <a:endParaRPr lang="en-US" dirty="0"/>
+          </a:p>
+        </p:txBody>
+      </p:sp>
+      <p:sp>
+        <p:nvSpPr>
+          <p:cNvPr id="3" name="内容占位符 2"/>
+          <p:cNvSpPr>
+            <a:spLocks noGrp="1"/>
+          </p:cNvSpPr>
+          <p:nvPr>
+            <p:ph idx="1"/>
+          </p:nvPr>
+        </p:nvSpPr>
+        <p:spPr>
+          <a:xfrm>
+            <a:off x="457200" y="1600200"/>
+            <a:ext cx="8001000" cy="4525963"/>
+          </a:xfrm>
+        </p:spPr>
+        <p:txBody>
+          <a:bodyPr/>
+          <a:lstStyle/>
+          <a:p>
+            <a:r>
+              <a:rPr lang="en-US" dirty="0" smtClean="0"/>
+              <a:t>Programs such as Parsers that accept string inputs</a:t>
+            </a:r>
+          </a:p>
+          <a:p>
+            <a:r>
+              <a:rPr lang="en-US" dirty="0" smtClean="0"/>
+              <a:t>Language of string inputs defined using context free grammars</a:t>
+            </a:r>
+          </a:p>
+          <a:p>
+            <a:r>
+              <a:rPr lang="en-US" dirty="0" smtClean="0"/>
+              <a:t>Generation of string inputs to achieve 100% branch coverage causes input-space explosion</a:t>
+            </a:r>
+          </a:p>
+        </p:txBody>
+      </p:sp>
+    </p:spTree>
+  </p:cSld>
+  <p:clrMapOvr>
+    <a:masterClrMapping/>
+  </p:clrMapOvr>
+</p:sld>
+</file>
+
+<file path=ppt/slides/slide16.xml><?xml version="1.0" encoding="utf-8"?>
+<p:sld xmlns:a="http://schemas.openxmlformats.org/drawingml/2006/main" xmlns:r="http://schemas.openxmlformats.org/officeDocument/2006/relationships" xmlns:p="http://schemas.openxmlformats.org/presentationml/2006/main">
+  <p:cSld>
+    <p:spTree>
+      <p:nvGrpSpPr>
+        <p:cNvPr id="1" name=""/>
+        <p:cNvGrpSpPr/>
+        <p:nvPr/>
+      </p:nvGrpSpPr>
+      <p:grpSpPr>
+        <a:xfrm>
+          <a:off x="0" y="0"/>
+          <a:ext cx="0" cy="0"/>
+          <a:chOff x="0" y="0"/>
+          <a:chExt cx="0" cy="0"/>
+        </a:xfrm>
+      </p:grpSpPr>
+      <p:sp>
+        <p:nvSpPr>
+          <p:cNvPr id="2" name="标题 1"/>
+          <p:cNvSpPr>
+            <a:spLocks noGrp="1"/>
+          </p:cNvSpPr>
+          <p:nvPr>
+            <p:ph type="title"/>
+          </p:nvPr>
+        </p:nvSpPr>
+        <p:spPr>
+          <a:xfrm>
+            <a:off x="533400" y="274638"/>
+            <a:ext cx="8153400" cy="1020762"/>
+          </a:xfrm>
+        </p:spPr>
+        <p:txBody>
+          <a:bodyPr>
+            <a:normAutofit/>
+          </a:bodyPr>
+          <a:lstStyle/>
+          <a:p>
+            <a:r>
+              <a:rPr lang="en-US" dirty="0" smtClean="0"/>
+              <a:t>Example</a:t>
+            </a:r>
+            <a:endParaRPr lang="en-US" dirty="0"/>
+          </a:p>
+        </p:txBody>
+      </p:sp>
+      <p:pic>
+        <p:nvPicPr>
+          <p:cNvPr id="1028" name="Picture 4"/>
+          <p:cNvPicPr>
+            <a:picLocks noGrp="1" noChangeAspect="1" noChangeArrowheads="1"/>
+          </p:cNvPicPr>
+          <p:nvPr>
+            <p:ph idx="1"/>
+          </p:nvPr>
+        </p:nvPicPr>
+        <p:blipFill>
+          <a:blip r:embed="rId2"/>
+          <a:srcRect/>
+          <a:stretch>
+            <a:fillRect/>
+          </a:stretch>
+        </p:blipFill>
+        <p:spPr bwMode="auto">
+          <a:xfrm>
+            <a:off x="990600" y="1905000"/>
+            <a:ext cx="7467600" cy="2046111"/>
+          </a:xfrm>
+          <a:prstGeom prst="rect">
+            <a:avLst/>
+          </a:prstGeom>
+          <a:noFill/>
+          <a:ln w="9525">
+            <a:noFill/>
+            <a:miter lim="800000"/>
+            <a:headEnd/>
+            <a:tailEnd/>
+          </a:ln>
+          <a:effectLst/>
+        </p:spPr>
+      </p:pic>
+      <p:sp>
+        <p:nvSpPr>
+          <p:cNvPr id="15" name="标题 1"/>
+          <p:cNvSpPr txBox="1">
+            <a:spLocks/>
+          </p:cNvSpPr>
+          <p:nvPr/>
+        </p:nvSpPr>
+        <p:spPr>
+          <a:xfrm>
+            <a:off x="381000" y="1295400"/>
+            <a:ext cx="8001000" cy="457200"/>
+          </a:xfrm>
+          <a:prstGeom prst="rect">
+            <a:avLst/>
+          </a:prstGeom>
+        </p:spPr>
+        <p:txBody>
+          <a:bodyPr vert="horz" lIns="91440" tIns="45720" rIns="91440" bIns="45720" rtlCol="0" anchor="ctr">
+            <a:normAutofit fontScale="55000" lnSpcReduction="20000"/>
+          </a:bodyPr>
+          <a:lstStyle/>
+          <a:p>
+            <a:pPr marL="0" marR="0" lvl="0" indent="0" algn="ctr" defTabSz="914400" rtl="0" eaLnBrk="1" fontAlgn="auto" latinLnBrk="0" hangingPunct="1">
+              <a:lnSpc>
+                <a:spcPct val="100000"/>
+              </a:lnSpc>
+              <a:spcBef>
+                <a:spcPct val="0"/>
+              </a:spcBef>
+              <a:spcAft>
+                <a:spcPts val="0"/>
+              </a:spcAft>
+              <a:buClrTx/>
+              <a:buSzTx/>
+              <a:buFontTx/>
+              <a:buNone/>
+              <a:tabLst/>
+              <a:defRPr/>
+            </a:pPr>
+            <a:r>
+              <a:rPr kumimoji="0" lang="en-US" sz="4600" b="0" i="0" u="none" strike="noStrike" kern="1200" cap="none" spc="0" normalizeH="0" baseline="0" noProof="0" dirty="0" smtClean="0">
+                <a:ln>
+                  <a:noFill/>
+                </a:ln>
+                <a:solidFill>
+                  <a:schemeClr val="tx1"/>
+                </a:solidFill>
+                <a:effectLst/>
+                <a:uLnTx/>
+                <a:uFillTx/>
+                <a:latin typeface="+mj-lt"/>
+                <a:ea typeface="+mj-ea"/>
+                <a:cs typeface="+mj-cs"/>
+              </a:rPr>
+              <a:t>  The Grammar</a:t>
+            </a:r>
+            <a:r>
+              <a:rPr kumimoji="0" lang="en-US" sz="4600" b="0" i="0" u="none" strike="noStrike" kern="1200" cap="none" spc="0" normalizeH="0" noProof="0" dirty="0" smtClean="0">
+                <a:ln>
+                  <a:noFill/>
+                </a:ln>
+                <a:solidFill>
+                  <a:schemeClr val="tx1"/>
+                </a:solidFill>
+                <a:effectLst/>
+                <a:uLnTx/>
+                <a:uFillTx/>
+                <a:latin typeface="+mj-lt"/>
+                <a:ea typeface="+mj-ea"/>
+                <a:cs typeface="+mj-cs"/>
+              </a:rPr>
+              <a:t> for </a:t>
+            </a:r>
+            <a:r>
+              <a:rPr lang="en-US" sz="4600" i="1" dirty="0" smtClean="0">
+                <a:latin typeface="High Tower Text" pitchFamily="18" charset="0"/>
+                <a:ea typeface="+mj-ea"/>
+                <a:cs typeface="+mj-cs"/>
+              </a:rPr>
+              <a:t>S</a:t>
+            </a:r>
+            <a:r>
+              <a:rPr kumimoji="0" lang="en-US" sz="4600" b="0" i="1" u="none" strike="noStrike" kern="1200" cap="none" spc="0" normalizeH="0" noProof="0" dirty="0" err="1" smtClean="0">
+                <a:ln>
+                  <a:noFill/>
+                </a:ln>
+                <a:solidFill>
+                  <a:schemeClr val="tx1"/>
+                </a:solidFill>
+                <a:effectLst/>
+                <a:uLnTx/>
+                <a:uFillTx/>
+                <a:latin typeface="High Tower Text" pitchFamily="18" charset="0"/>
+                <a:ea typeface="+mj-ea"/>
+                <a:cs typeface="+mj-cs"/>
+              </a:rPr>
+              <a:t>impleCalc</a:t>
+            </a:r>
+            <a:r>
+              <a:rPr kumimoji="0" lang="en-US" sz="4600" b="0" i="0" u="none" strike="noStrike" kern="1200" cap="none" spc="0" normalizeH="0" noProof="0" dirty="0" smtClean="0">
+                <a:ln>
+                  <a:noFill/>
+                </a:ln>
+                <a:solidFill>
+                  <a:schemeClr val="tx1"/>
+                </a:solidFill>
+                <a:effectLst/>
+                <a:uLnTx/>
+                <a:uFillTx/>
+                <a:latin typeface="+mj-lt"/>
+                <a:ea typeface="+mj-ea"/>
+                <a:cs typeface="+mj-cs"/>
+              </a:rPr>
+              <a:t> inputs is shown below:</a:t>
+            </a:r>
+            <a:endParaRPr kumimoji="0" lang="en-US" sz="4400" b="0" i="0" u="none" strike="noStrike" kern="1200" cap="none" spc="0" normalizeH="0" baseline="0" noProof="0" dirty="0">
+              <a:ln>
+                <a:noFill/>
+              </a:ln>
+              <a:solidFill>
+                <a:schemeClr val="tx1"/>
+              </a:solidFill>
+              <a:effectLst/>
+              <a:uLnTx/>
+              <a:uFillTx/>
+              <a:latin typeface="+mj-lt"/>
+              <a:ea typeface="+mj-ea"/>
+              <a:cs typeface="+mj-cs"/>
+            </a:endParaRPr>
+          </a:p>
+        </p:txBody>
+      </p:sp>
+    </p:spTree>
+  </p:cSld>
+  <p:clrMapOvr>
+    <a:masterClrMapping/>
+  </p:clrMapOvr>
+</p:sld>
+</file>
+
+<file path=ppt/slides/slide17.xml><?xml version="1.0" encoding="utf-8"?>
+<p:sld xmlns:a="http://schemas.openxmlformats.org/drawingml/2006/main" xmlns:r="http://schemas.openxmlformats.org/officeDocument/2006/relationships" xmlns:p="http://schemas.openxmlformats.org/presentationml/2006/main">
+  <p:cSld>
+    <p:spTree>
+      <p:nvGrpSpPr>
+        <p:cNvPr id="1" name=""/>
+        <p:cNvGrpSpPr/>
+        <p:nvPr/>
+      </p:nvGrpSpPr>
+      <p:grpSpPr>
+        <a:xfrm>
+          <a:off x="0" y="0"/>
+          <a:ext cx="0" cy="0"/>
+          <a:chOff x="0" y="0"/>
+          <a:chExt cx="0" cy="0"/>
+        </a:xfrm>
+      </p:grpSpPr>
+      <p:sp>
+        <p:nvSpPr>
+          <p:cNvPr id="2" name="제목 1"/>
+          <p:cNvSpPr>
+            <a:spLocks noGrp="1"/>
+          </p:cNvSpPr>
+          <p:nvPr>
+            <p:ph type="title"/>
+          </p:nvPr>
+        </p:nvSpPr>
+        <p:spPr>
+          <a:xfrm>
+            <a:off x="457200" y="274638"/>
+            <a:ext cx="8229600" cy="1020762"/>
+          </a:xfrm>
+        </p:spPr>
+        <p:txBody>
+          <a:bodyPr/>
+          <a:lstStyle/>
+          <a:p>
+            <a:r>
+              <a:rPr lang="en-US" altLang="ko-KR" dirty="0" err="1" smtClean="0"/>
+              <a:t>SimpleCalc</a:t>
+            </a:r>
+            <a:r>
+              <a:rPr lang="en-US" altLang="ko-KR" dirty="0" smtClean="0"/>
+              <a:t> Example</a:t>
+            </a:r>
+            <a:endParaRPr lang="ko-KR" altLang="en-US" dirty="0"/>
+          </a:p>
+        </p:txBody>
+      </p:sp>
+      <p:pic>
+        <p:nvPicPr>
+          <p:cNvPr id="2050" name="Picture 2"/>
+          <p:cNvPicPr>
+            <a:picLocks noGrp="1" noChangeAspect="1" noChangeArrowheads="1"/>
+          </p:cNvPicPr>
+          <p:nvPr>
+            <p:ph idx="1"/>
+          </p:nvPr>
+        </p:nvPicPr>
+        <p:blipFill>
+          <a:blip r:embed="rId2"/>
+          <a:srcRect/>
+          <a:stretch>
+            <a:fillRect/>
+          </a:stretch>
+        </p:blipFill>
+        <p:spPr bwMode="auto">
+          <a:xfrm>
+            <a:off x="1143000" y="2209800"/>
+            <a:ext cx="6858000" cy="3429000"/>
+          </a:xfrm>
+          <a:prstGeom prst="rect">
+            <a:avLst/>
+          </a:prstGeom>
+          <a:noFill/>
+          <a:ln w="9525">
+            <a:noFill/>
+            <a:miter lim="800000"/>
+            <a:headEnd/>
+            <a:tailEnd/>
+          </a:ln>
+          <a:effectLst/>
+        </p:spPr>
+      </p:pic>
+      <p:sp>
+        <p:nvSpPr>
+          <p:cNvPr id="5" name="제목 1"/>
+          <p:cNvSpPr txBox="1">
+            <a:spLocks/>
+          </p:cNvSpPr>
+          <p:nvPr/>
+        </p:nvSpPr>
+        <p:spPr>
+          <a:xfrm>
+            <a:off x="457200" y="1066800"/>
+            <a:ext cx="5715000" cy="685800"/>
+          </a:xfrm>
+          <a:prstGeom prst="rect">
+            <a:avLst/>
+          </a:prstGeom>
+        </p:spPr>
+        <p:txBody>
+          <a:bodyPr vert="horz" lIns="91440" tIns="45720" rIns="91440" bIns="45720" rtlCol="0" anchor="ctr">
+            <a:normAutofit/>
+          </a:bodyPr>
+          <a:lstStyle/>
+          <a:p>
+            <a:pPr marL="0" marR="0" lvl="0" indent="0" algn="ctr" defTabSz="914400" rtl="0" eaLnBrk="1" fontAlgn="auto" latinLnBrk="0" hangingPunct="1">
+              <a:lnSpc>
+                <a:spcPct val="100000"/>
+              </a:lnSpc>
+              <a:spcBef>
+                <a:spcPct val="0"/>
+              </a:spcBef>
+              <a:spcAft>
+                <a:spcPts val="0"/>
+              </a:spcAft>
+              <a:buClrTx/>
+              <a:buSzTx/>
+              <a:buFontTx/>
+              <a:buNone/>
+              <a:tabLst/>
+              <a:defRPr/>
+            </a:pPr>
+            <a:r>
+              <a:rPr kumimoji="0" lang="en-US" altLang="ko-KR" sz="3200" b="0" i="0" u="none" strike="noStrike" kern="1200" cap="none" spc="0" normalizeH="0" baseline="0" noProof="0" dirty="0" smtClean="0">
+                <a:ln>
+                  <a:noFill/>
+                </a:ln>
+                <a:solidFill>
+                  <a:schemeClr val="tx1"/>
+                </a:solidFill>
+                <a:effectLst/>
+                <a:uLnTx/>
+                <a:uFillTx/>
+                <a:latin typeface="+mj-lt"/>
+                <a:ea typeface="+mj-ea"/>
+                <a:cs typeface="+mj-cs"/>
+              </a:rPr>
+              <a:t>     Boolean</a:t>
+            </a:r>
+            <a:r>
+              <a:rPr kumimoji="0" lang="en-US" altLang="ko-KR" sz="3200" b="0" i="0" u="none" strike="noStrike" kern="1200" cap="none" spc="0" normalizeH="0" noProof="0" dirty="0" smtClean="0">
+                <a:ln>
+                  <a:noFill/>
+                </a:ln>
+                <a:solidFill>
+                  <a:schemeClr val="tx1"/>
+                </a:solidFill>
+                <a:effectLst/>
+                <a:uLnTx/>
+                <a:uFillTx/>
+                <a:latin typeface="+mj-lt"/>
+                <a:ea typeface="+mj-ea"/>
+                <a:cs typeface="+mj-cs"/>
+              </a:rPr>
+              <a:t> </a:t>
+            </a:r>
+            <a:r>
+              <a:rPr kumimoji="0" lang="en-US" altLang="ko-KR" sz="3200" b="0" i="0" u="none" strike="noStrike" kern="1200" cap="none" spc="0" normalizeH="0" noProof="0" dirty="0" err="1" smtClean="0">
+                <a:ln>
+                  <a:noFill/>
+                </a:ln>
+                <a:solidFill>
+                  <a:schemeClr val="tx1"/>
+                </a:solidFill>
+                <a:effectLst/>
+                <a:uLnTx/>
+                <a:uFillTx/>
+                <a:latin typeface="+mj-lt"/>
+                <a:ea typeface="+mj-ea"/>
+                <a:cs typeface="+mj-cs"/>
+              </a:rPr>
+              <a:t>SimpleCalc</a:t>
+            </a:r>
+            <a:r>
+              <a:rPr kumimoji="0" lang="en-US" altLang="ko-KR" sz="3200" b="0" i="0" u="none" strike="noStrike" kern="1200" cap="none" spc="0" normalizeH="0" noProof="0" dirty="0" smtClean="0">
+                <a:ln>
+                  <a:noFill/>
+                </a:ln>
+                <a:solidFill>
+                  <a:schemeClr val="tx1"/>
+                </a:solidFill>
+                <a:effectLst/>
+                <a:uLnTx/>
+                <a:uFillTx/>
+                <a:latin typeface="+mj-lt"/>
+                <a:ea typeface="+mj-ea"/>
+                <a:cs typeface="+mj-cs"/>
+              </a:rPr>
+              <a:t> (string </a:t>
+            </a:r>
+            <a:r>
+              <a:rPr kumimoji="0" lang="en-US" altLang="ko-KR" sz="3200" b="0" i="0" u="none" strike="noStrike" kern="1200" cap="none" spc="0" normalizeH="0" noProof="0" dirty="0" err="1" smtClean="0">
+                <a:ln>
+                  <a:noFill/>
+                </a:ln>
+                <a:solidFill>
+                  <a:schemeClr val="tx1"/>
+                </a:solidFill>
+                <a:effectLst/>
+                <a:uLnTx/>
+                <a:uFillTx/>
+                <a:latin typeface="+mj-lt"/>
+                <a:ea typeface="+mj-ea"/>
+                <a:cs typeface="+mj-cs"/>
+              </a:rPr>
+              <a:t>str</a:t>
+            </a:r>
+            <a:r>
+              <a:rPr kumimoji="0" lang="en-US" altLang="ko-KR" sz="3200" b="0" i="0" u="none" strike="noStrike" kern="1200" cap="none" spc="0" normalizeH="0" noProof="0" dirty="0" smtClean="0">
+                <a:ln>
+                  <a:noFill/>
+                </a:ln>
+                <a:solidFill>
+                  <a:schemeClr val="tx1"/>
+                </a:solidFill>
+                <a:effectLst/>
+                <a:uLnTx/>
+                <a:uFillTx/>
+                <a:latin typeface="+mj-lt"/>
+                <a:ea typeface="+mj-ea"/>
+                <a:cs typeface="+mj-cs"/>
+              </a:rPr>
+              <a:t>) </a:t>
+            </a:r>
+          </a:p>
+        </p:txBody>
+      </p:sp>
+      <p:sp>
+        <p:nvSpPr>
+          <p:cNvPr id="7" name="제목 1"/>
+          <p:cNvSpPr txBox="1">
+            <a:spLocks/>
+          </p:cNvSpPr>
+          <p:nvPr/>
+        </p:nvSpPr>
+        <p:spPr>
+          <a:xfrm>
+            <a:off x="457200" y="1600200"/>
+            <a:ext cx="1676400" cy="609600"/>
+          </a:xfrm>
+          <a:prstGeom prst="rect">
+            <a:avLst/>
+          </a:prstGeom>
+        </p:spPr>
+        <p:txBody>
+          <a:bodyPr vert="horz" lIns="91440" tIns="45720" rIns="91440" bIns="45720" rtlCol="0" anchor="ctr">
+            <a:normAutofit/>
+          </a:bodyPr>
+          <a:lstStyle/>
+          <a:p>
+            <a:pPr marL="0" marR="0" lvl="0" indent="0" algn="ctr" defTabSz="914400" rtl="0" eaLnBrk="1" fontAlgn="auto" latinLnBrk="0" hangingPunct="1">
+              <a:lnSpc>
+                <a:spcPct val="100000"/>
+              </a:lnSpc>
+              <a:spcBef>
+                <a:spcPct val="0"/>
+              </a:spcBef>
+              <a:spcAft>
+                <a:spcPts val="0"/>
+              </a:spcAft>
+              <a:buClrTx/>
+              <a:buSzTx/>
+              <a:buFontTx/>
+              <a:buNone/>
+              <a:tabLst/>
+              <a:defRPr/>
+            </a:pPr>
+            <a:r>
+              <a:rPr kumimoji="0" lang="en-US" altLang="ko-KR" sz="3200" b="0" i="0" u="none" strike="noStrike" kern="1200" cap="none" spc="0" normalizeH="0" baseline="0" noProof="0" dirty="0" smtClean="0">
+                <a:ln>
+                  <a:noFill/>
+                </a:ln>
+                <a:solidFill>
+                  <a:schemeClr val="tx1"/>
+                </a:solidFill>
+                <a:effectLst/>
+                <a:uLnTx/>
+                <a:uFillTx/>
+                <a:latin typeface="+mj-lt"/>
+                <a:ea typeface="+mj-ea"/>
+                <a:cs typeface="+mj-cs"/>
+              </a:rPr>
+              <a:t> { ….</a:t>
+            </a:r>
+            <a:endParaRPr kumimoji="0" lang="en-US" altLang="ko-KR" sz="3200" b="0" i="0" u="none" strike="noStrike" kern="1200" cap="none" spc="0" normalizeH="0" noProof="0" dirty="0" smtClean="0">
+              <a:ln>
+                <a:noFill/>
+              </a:ln>
+              <a:solidFill>
+                <a:schemeClr val="tx1"/>
+              </a:solidFill>
+              <a:effectLst/>
+              <a:uLnTx/>
+              <a:uFillTx/>
+              <a:latin typeface="+mj-lt"/>
+              <a:ea typeface="+mj-ea"/>
+              <a:cs typeface="+mj-cs"/>
+            </a:endParaRPr>
+          </a:p>
+        </p:txBody>
+      </p:sp>
+      <p:sp>
+        <p:nvSpPr>
+          <p:cNvPr id="8" name="제목 1"/>
+          <p:cNvSpPr txBox="1">
+            <a:spLocks/>
+          </p:cNvSpPr>
+          <p:nvPr/>
+        </p:nvSpPr>
+        <p:spPr>
+          <a:xfrm>
+            <a:off x="533400" y="5562600"/>
+            <a:ext cx="1143000" cy="990600"/>
+          </a:xfrm>
+          <a:prstGeom prst="rect">
+            <a:avLst/>
+          </a:prstGeom>
+        </p:spPr>
+        <p:txBody>
+          <a:bodyPr vert="horz" lIns="91440" tIns="45720" rIns="91440" bIns="45720" rtlCol="0" anchor="ctr">
+            <a:normAutofit lnSpcReduction="10000"/>
+          </a:bodyPr>
+          <a:lstStyle/>
+          <a:p>
+            <a:pPr marL="0" marR="0" lvl="0" indent="0" algn="ctr" defTabSz="914400" rtl="0" eaLnBrk="1" fontAlgn="auto" latinLnBrk="0" hangingPunct="1">
+              <a:lnSpc>
+                <a:spcPct val="100000"/>
+              </a:lnSpc>
+              <a:spcBef>
+                <a:spcPct val="0"/>
+              </a:spcBef>
+              <a:spcAft>
+                <a:spcPts val="0"/>
+              </a:spcAft>
+              <a:buClrTx/>
+              <a:buSzTx/>
+              <a:buFontTx/>
+              <a:buNone/>
+              <a:tabLst/>
+              <a:defRPr/>
+            </a:pPr>
+            <a:r>
+              <a:rPr kumimoji="0" lang="en-US" altLang="ko-KR" sz="3200" b="0" i="0" u="none" strike="noStrike" kern="1200" cap="none" spc="0" normalizeH="0" baseline="0" noProof="0" dirty="0" smtClean="0">
+                <a:ln>
+                  <a:noFill/>
+                </a:ln>
+                <a:solidFill>
+                  <a:schemeClr val="tx1"/>
+                </a:solidFill>
+                <a:effectLst/>
+                <a:uLnTx/>
+                <a:uFillTx/>
+                <a:latin typeface="+mj-lt"/>
+                <a:ea typeface="+mj-ea"/>
+                <a:cs typeface="+mj-cs"/>
+              </a:rPr>
+              <a:t>   …</a:t>
+            </a:r>
+          </a:p>
+          <a:p>
+            <a:pPr marL="0" marR="0" lvl="0" indent="0" algn="ctr" defTabSz="914400" rtl="0" eaLnBrk="1" fontAlgn="auto" latinLnBrk="0" hangingPunct="1">
+              <a:lnSpc>
+                <a:spcPct val="100000"/>
+              </a:lnSpc>
+              <a:spcBef>
+                <a:spcPct val="0"/>
+              </a:spcBef>
+              <a:spcAft>
+                <a:spcPts val="0"/>
+              </a:spcAft>
+              <a:buClrTx/>
+              <a:buSzTx/>
+              <a:buFontTx/>
+              <a:buNone/>
+              <a:tabLst/>
+              <a:defRPr/>
+            </a:pPr>
+            <a:r>
+              <a:rPr kumimoji="0" lang="en-US" altLang="ko-KR" sz="3200" b="0" i="0" u="none" strike="noStrike" kern="1200" cap="none" spc="0" normalizeH="0" baseline="0" noProof="0" dirty="0" smtClean="0">
+                <a:ln>
+                  <a:noFill/>
+                </a:ln>
+                <a:solidFill>
+                  <a:schemeClr val="tx1"/>
+                </a:solidFill>
+                <a:effectLst/>
+                <a:uLnTx/>
+                <a:uFillTx/>
+                <a:latin typeface="+mj-lt"/>
+                <a:ea typeface="+mj-ea"/>
+                <a:cs typeface="+mj-cs"/>
+              </a:rPr>
+              <a:t>}</a:t>
+            </a:r>
+            <a:endParaRPr kumimoji="0" lang="en-US" altLang="ko-KR" sz="3200" b="0" i="0" u="none" strike="noStrike" kern="1200" cap="none" spc="0" normalizeH="0" noProof="0" dirty="0" smtClean="0">
+              <a:ln>
+                <a:noFill/>
+              </a:ln>
+              <a:solidFill>
+                <a:schemeClr val="tx1"/>
+              </a:solidFill>
+              <a:effectLst/>
+              <a:uLnTx/>
+              <a:uFillTx/>
+              <a:latin typeface="+mj-lt"/>
+              <a:ea typeface="+mj-ea"/>
+              <a:cs typeface="+mj-cs"/>
+            </a:endParaRPr>
+          </a:p>
+        </p:txBody>
+      </p:sp>
+    </p:spTree>
+  </p:cSld>
+  <p:clrMapOvr>
+    <a:masterClrMapping/>
+  </p:clrMapOvr>
+</p:sld>
+</file>
+
+<file path=ppt/slides/slide18.xml><?xml version="1.0" encoding="utf-8"?>
+<p:sld xmlns:a="http://schemas.openxmlformats.org/drawingml/2006/main" xmlns:r="http://schemas.openxmlformats.org/officeDocument/2006/relationships" xmlns:p="http://schemas.openxmlformats.org/presentationml/2006/main">
+  <p:cSld>
+    <p:spTree>
+      <p:nvGrpSpPr>
+        <p:cNvPr id="1" name=""/>
+        <p:cNvGrpSpPr/>
+        <p:nvPr/>
+      </p:nvGrpSpPr>
+      <p:grpSpPr>
+        <a:xfrm>
+          <a:off x="0" y="0"/>
+          <a:ext cx="0" cy="0"/>
+          <a:chOff x="0" y="0"/>
+          <a:chExt cx="0" cy="0"/>
+        </a:xfrm>
+      </p:grpSpPr>
+      <p:sp>
+        <p:nvSpPr>
+          <p:cNvPr id="2" name="제목 1"/>
+          <p:cNvSpPr>
+            <a:spLocks noGrp="1"/>
+          </p:cNvSpPr>
+          <p:nvPr>
+            <p:ph type="title"/>
+          </p:nvPr>
+        </p:nvSpPr>
+        <p:spPr>
+          <a:xfrm>
+            <a:off x="457200" y="274638"/>
+            <a:ext cx="8229600" cy="1020762"/>
+          </a:xfrm>
+        </p:spPr>
+        <p:txBody>
+          <a:bodyPr/>
+          <a:lstStyle/>
+          <a:p>
+            <a:r>
+              <a:rPr lang="en-US" altLang="ko-KR" dirty="0" smtClean="0"/>
+              <a:t>Previous Approaches</a:t>
+            </a:r>
+            <a:endParaRPr lang="ko-KR" altLang="en-US" dirty="0"/>
+          </a:p>
+        </p:txBody>
+      </p:sp>
+      <p:sp>
+        <p:nvSpPr>
+          <p:cNvPr id="5" name="제목 1"/>
+          <p:cNvSpPr txBox="1">
+            <a:spLocks/>
+          </p:cNvSpPr>
+          <p:nvPr/>
+        </p:nvSpPr>
+        <p:spPr>
+          <a:xfrm>
+            <a:off x="0" y="1219200"/>
+            <a:ext cx="8763000" cy="4648200"/>
+          </a:xfrm>
+          <a:prstGeom prst="rect">
+            <a:avLst/>
+          </a:prstGeom>
+        </p:spPr>
+        <p:txBody>
+          <a:bodyPr vert="horz" lIns="91440" tIns="45720" rIns="91440" bIns="45720" rtlCol="0" anchor="ctr">
+            <a:normAutofit/>
+          </a:bodyPr>
+          <a:lstStyle/>
+          <a:p>
+            <a:pPr marL="0" marR="0" lvl="0" indent="0" defTabSz="914400" rtl="0" eaLnBrk="1" fontAlgn="auto" latinLnBrk="0" hangingPunct="1">
+              <a:lnSpc>
+                <a:spcPct val="100000"/>
+              </a:lnSpc>
+              <a:spcBef>
+                <a:spcPct val="0"/>
+              </a:spcBef>
+              <a:spcAft>
+                <a:spcPts val="0"/>
+              </a:spcAft>
+              <a:buClrTx/>
+              <a:buSzTx/>
+              <a:buFont typeface="Arial" pitchFamily="34" charset="0"/>
+              <a:buChar char="•"/>
+              <a:tabLst/>
+              <a:defRPr/>
+            </a:pPr>
+            <a:r>
+              <a:rPr kumimoji="0" lang="en-US" altLang="ko-KR" sz="3200" b="0" i="0" u="none" strike="noStrike" kern="1200" cap="none" spc="0" normalizeH="0" noProof="0" dirty="0" smtClean="0">
+                <a:ln>
+                  <a:noFill/>
+                </a:ln>
+                <a:solidFill>
+                  <a:schemeClr val="tx1"/>
+                </a:solidFill>
+                <a:effectLst/>
+                <a:uLnTx/>
+                <a:uFillTx/>
+                <a:latin typeface="+mj-lt"/>
+                <a:ea typeface="+mj-ea"/>
+                <a:cs typeface="+mj-cs"/>
+              </a:rPr>
+              <a:t>   Exhaustive Enumeration</a:t>
+            </a:r>
+          </a:p>
+          <a:p>
+            <a:pPr lvl="1">
+              <a:spcBef>
+                <a:spcPct val="0"/>
+              </a:spcBef>
+              <a:buFont typeface="Arial" pitchFamily="34" charset="0"/>
+              <a:buChar char="•"/>
+            </a:pPr>
+            <a:r>
+              <a:rPr lang="en-US" altLang="ko-KR" sz="3200" dirty="0" smtClean="0">
+                <a:latin typeface="+mj-lt"/>
+                <a:ea typeface="+mj-ea"/>
+                <a:cs typeface="+mj-cs"/>
+              </a:rPr>
+              <a:t> Uses grammar and generates inputs exhaustively</a:t>
+            </a:r>
+          </a:p>
+          <a:p>
+            <a:pPr lvl="1">
+              <a:spcBef>
+                <a:spcPct val="0"/>
+              </a:spcBef>
+              <a:buFont typeface="Arial" pitchFamily="34" charset="0"/>
+              <a:buChar char="•"/>
+            </a:pPr>
+            <a:r>
+              <a:rPr kumimoji="0" lang="en-US" altLang="ko-KR" sz="3200" b="0" i="0" u="none" strike="noStrike" kern="1200" cap="none" spc="0" normalizeH="0" noProof="0" dirty="0" smtClean="0">
+                <a:ln>
+                  <a:noFill/>
+                </a:ln>
+                <a:solidFill>
+                  <a:schemeClr val="tx1"/>
+                </a:solidFill>
+                <a:effectLst/>
+                <a:uLnTx/>
+                <a:uFillTx/>
+                <a:latin typeface="+mj-lt"/>
+                <a:ea typeface="+mj-ea"/>
+                <a:cs typeface="+mj-cs"/>
+              </a:rPr>
+              <a:t> </a:t>
+            </a:r>
+            <a:r>
+              <a:rPr lang="en-US" altLang="ko-KR" sz="3200" dirty="0" smtClean="0">
+                <a:latin typeface="+mj-lt"/>
+                <a:ea typeface="+mj-ea"/>
+                <a:cs typeface="+mj-cs"/>
+              </a:rPr>
+              <a:t>Number of valid strings for size six: 187,765,078</a:t>
+            </a:r>
+            <a:endParaRPr kumimoji="0" lang="en-US" altLang="ko-KR" sz="3200" b="0" i="0" u="none" strike="noStrike" kern="1200" cap="none" spc="0" normalizeH="0" noProof="0" dirty="0" smtClean="0">
+              <a:ln>
+                <a:noFill/>
+              </a:ln>
+              <a:solidFill>
+                <a:schemeClr val="tx1"/>
+              </a:solidFill>
+              <a:effectLst/>
+              <a:uLnTx/>
+              <a:uFillTx/>
+              <a:latin typeface="+mj-lt"/>
+              <a:ea typeface="+mj-ea"/>
+              <a:cs typeface="+mj-cs"/>
+            </a:endParaRPr>
+          </a:p>
+          <a:p>
+            <a:pPr marL="0" marR="0" lvl="0" indent="0" defTabSz="914400" rtl="0" eaLnBrk="1" fontAlgn="auto" latinLnBrk="0" hangingPunct="1">
+              <a:lnSpc>
+                <a:spcPct val="100000"/>
+              </a:lnSpc>
+              <a:spcBef>
+                <a:spcPct val="0"/>
+              </a:spcBef>
+              <a:spcAft>
+                <a:spcPts val="0"/>
+              </a:spcAft>
+              <a:buClrTx/>
+              <a:buSzTx/>
+              <a:buFont typeface="Arial" pitchFamily="34" charset="0"/>
+              <a:buChar char="•"/>
+              <a:tabLst/>
+              <a:defRPr/>
+            </a:pPr>
+            <a:r>
+              <a:rPr lang="en-US" altLang="ko-KR" sz="3200" dirty="0" smtClean="0">
+                <a:latin typeface="+mj-lt"/>
+                <a:ea typeface="+mj-ea"/>
+                <a:cs typeface="+mj-cs"/>
+              </a:rPr>
+              <a:t> </a:t>
+            </a:r>
+            <a:r>
+              <a:rPr kumimoji="0" lang="en-US" altLang="ko-KR" sz="3200" b="0" i="0" u="none" strike="noStrike" kern="1200" cap="none" spc="0" normalizeH="0" noProof="0" dirty="0" smtClean="0">
+                <a:ln>
+                  <a:noFill/>
+                </a:ln>
+                <a:solidFill>
+                  <a:schemeClr val="tx1"/>
+                </a:solidFill>
+                <a:effectLst/>
+                <a:uLnTx/>
+                <a:uFillTx/>
+                <a:latin typeface="+mj-lt"/>
+                <a:ea typeface="+mj-ea"/>
+                <a:cs typeface="+mj-cs"/>
+              </a:rPr>
+              <a:t>  Dynamic Symbolic Execution</a:t>
+            </a:r>
+          </a:p>
+          <a:p>
+            <a:pPr lvl="1">
+              <a:spcBef>
+                <a:spcPct val="0"/>
+              </a:spcBef>
+              <a:buFont typeface="Arial" pitchFamily="34" charset="0"/>
+              <a:buChar char="•"/>
+            </a:pPr>
+            <a:r>
+              <a:rPr lang="en-US" altLang="ko-KR" sz="3200" dirty="0" smtClean="0">
+                <a:latin typeface="+mj-lt"/>
+                <a:ea typeface="+mj-ea"/>
+                <a:cs typeface="+mj-cs"/>
+              </a:rPr>
+              <a:t> Uses program source code and generates inputs</a:t>
+            </a:r>
+          </a:p>
+          <a:p>
+            <a:pPr lvl="1">
+              <a:spcBef>
+                <a:spcPct val="0"/>
+              </a:spcBef>
+              <a:buFont typeface="Arial" pitchFamily="34" charset="0"/>
+              <a:buChar char="•"/>
+            </a:pPr>
+            <a:r>
+              <a:rPr kumimoji="0" lang="en-US" altLang="ko-KR" sz="3200" b="0" i="0" u="none" strike="noStrike" kern="1200" cap="none" spc="0" normalizeH="0" noProof="0" dirty="0" smtClean="0">
+                <a:ln>
+                  <a:noFill/>
+                </a:ln>
+                <a:solidFill>
+                  <a:schemeClr val="tx1"/>
+                </a:solidFill>
+                <a:effectLst/>
+                <a:uLnTx/>
+                <a:uFillTx/>
+                <a:latin typeface="+mj-lt"/>
+                <a:ea typeface="+mj-ea"/>
+                <a:cs typeface="+mj-cs"/>
+              </a:rPr>
+              <a:t> Number of inputs generated: 248,523</a:t>
+            </a:r>
+          </a:p>
+        </p:txBody>
+      </p:sp>
+    </p:spTree>
+  </p:cSld>
+  <p:clrMapOvr>
+    <a:masterClrMapping/>
+  </p:clrMapOvr>
+</p:sld>
+</file>
+
+<file path=ppt/slides/slide19.xml><?xml version="1.0" encoding="utf-8"?>
+<p:sld xmlns:a="http://schemas.openxmlformats.org/drawingml/2006/main" xmlns:r="http://schemas.openxmlformats.org/officeDocument/2006/relationships" xmlns:p="http://schemas.openxmlformats.org/presentationml/2006/main">
+  <p:cSld>
+    <p:spTree>
+      <p:nvGrpSpPr>
+        <p:cNvPr id="1" name=""/>
+        <p:cNvGrpSpPr/>
+        <p:nvPr/>
+      </p:nvGrpSpPr>
+      <p:grpSpPr>
+        <a:xfrm>
+          <a:off x="0" y="0"/>
+          <a:ext cx="0" cy="0"/>
+          <a:chOff x="0" y="0"/>
+          <a:chExt cx="0" cy="0"/>
+        </a:xfrm>
+      </p:grpSpPr>
+      <p:sp>
+        <p:nvSpPr>
+          <p:cNvPr id="2" name="제목 1"/>
+          <p:cNvSpPr>
+            <a:spLocks noGrp="1"/>
+          </p:cNvSpPr>
+          <p:nvPr>
+            <p:ph type="title"/>
+          </p:nvPr>
+        </p:nvSpPr>
+        <p:spPr>
+          <a:xfrm>
+            <a:off x="457200" y="274638"/>
+            <a:ext cx="8229600" cy="1020762"/>
+          </a:xfrm>
+        </p:spPr>
+        <p:txBody>
+          <a:bodyPr/>
+          <a:lstStyle/>
+          <a:p>
+            <a:r>
+              <a:rPr lang="en-US" altLang="ko-KR" dirty="0" smtClean="0"/>
+              <a:t>Symbolic Grammar</a:t>
+            </a:r>
+            <a:endParaRPr lang="ko-KR" altLang="en-US" dirty="0"/>
+          </a:p>
+        </p:txBody>
+      </p:sp>
+      <p:sp>
+        <p:nvSpPr>
+          <p:cNvPr id="5" name="제목 1"/>
+          <p:cNvSpPr txBox="1">
+            <a:spLocks/>
+          </p:cNvSpPr>
+          <p:nvPr/>
+        </p:nvSpPr>
+        <p:spPr>
+          <a:xfrm>
+            <a:off x="76200" y="990600"/>
+            <a:ext cx="8763000" cy="1066800"/>
+          </a:xfrm>
+          <a:prstGeom prst="rect">
+            <a:avLst/>
+          </a:prstGeom>
+        </p:spPr>
+        <p:txBody>
+          <a:bodyPr vert="horz" lIns="91440" tIns="45720" rIns="91440" bIns="45720" rtlCol="0" anchor="ctr">
+            <a:normAutofit/>
+          </a:bodyPr>
+          <a:lstStyle/>
+          <a:p>
+            <a:pPr marL="0" marR="0" lvl="0" indent="0" defTabSz="914400" rtl="0" eaLnBrk="1" fontAlgn="auto" latinLnBrk="0" hangingPunct="1">
+              <a:lnSpc>
+                <a:spcPct val="100000"/>
+              </a:lnSpc>
+              <a:spcBef>
+                <a:spcPct val="0"/>
+              </a:spcBef>
+              <a:spcAft>
+                <a:spcPts val="0"/>
+              </a:spcAft>
+              <a:buClrTx/>
+              <a:buSzTx/>
+              <a:buFont typeface="Arial" pitchFamily="34" charset="0"/>
+              <a:buChar char="•"/>
+              <a:tabLst/>
+              <a:defRPr/>
+            </a:pPr>
+            <a:r>
+              <a:rPr kumimoji="0" lang="en-US" altLang="ko-KR" sz="3200" b="0" i="0" u="none" strike="noStrike" kern="1200" cap="none" spc="0" normalizeH="0" noProof="0" dirty="0" smtClean="0">
+                <a:ln>
+                  <a:noFill/>
+                </a:ln>
+                <a:solidFill>
+                  <a:schemeClr val="tx1"/>
+                </a:solidFill>
+                <a:effectLst/>
+                <a:uLnTx/>
+                <a:uFillTx/>
+                <a:latin typeface="+mj-lt"/>
+                <a:ea typeface="+mj-ea"/>
+                <a:cs typeface="+mj-cs"/>
+              </a:rPr>
+              <a:t>   Uses both grammar and program source code</a:t>
+            </a:r>
+          </a:p>
+        </p:txBody>
+      </p:sp>
+      <p:pic>
+        <p:nvPicPr>
+          <p:cNvPr id="4" name="Picture 3"/>
+          <p:cNvPicPr>
+            <a:picLocks noChangeAspect="1" noChangeArrowheads="1"/>
+          </p:cNvPicPr>
+          <p:nvPr/>
+        </p:nvPicPr>
+        <p:blipFill>
+          <a:blip r:embed="rId2"/>
+          <a:srcRect/>
+          <a:stretch>
+            <a:fillRect/>
+          </a:stretch>
+        </p:blipFill>
+        <p:spPr bwMode="auto">
+          <a:xfrm>
+            <a:off x="2514600" y="4419600"/>
+            <a:ext cx="3657599" cy="1371600"/>
+          </a:xfrm>
+          <a:prstGeom prst="rect">
+            <a:avLst/>
+          </a:prstGeom>
+          <a:noFill/>
+          <a:ln w="9525">
+            <a:noFill/>
+            <a:miter lim="800000"/>
+            <a:headEnd/>
+            <a:tailEnd/>
+          </a:ln>
+          <a:effectLst/>
+        </p:spPr>
+      </p:pic>
+      <p:pic>
+        <p:nvPicPr>
+          <p:cNvPr id="6" name="Picture 4"/>
+          <p:cNvPicPr>
+            <a:picLocks noGrp="1" noChangeAspect="1" noChangeArrowheads="1"/>
+          </p:cNvPicPr>
+          <p:nvPr>
+            <p:ph idx="1"/>
+          </p:nvPr>
+        </p:nvPicPr>
+        <p:blipFill>
+          <a:blip r:embed="rId3"/>
+          <a:srcRect/>
+          <a:stretch>
+            <a:fillRect/>
+          </a:stretch>
+        </p:blipFill>
+        <p:spPr bwMode="auto">
+          <a:xfrm>
+            <a:off x="1828800" y="2286000"/>
+            <a:ext cx="5486400" cy="1371600"/>
+          </a:xfrm>
+          <a:prstGeom prst="rect">
+            <a:avLst/>
+          </a:prstGeom>
+          <a:noFill/>
+          <a:ln w="9525">
+            <a:noFill/>
+            <a:miter lim="800000"/>
+            <a:headEnd/>
+            <a:tailEnd/>
+          </a:ln>
+          <a:effectLst/>
+        </p:spPr>
+      </p:pic>
+      <p:sp>
+        <p:nvSpPr>
+          <p:cNvPr id="7" name="标题 1"/>
+          <p:cNvSpPr txBox="1">
+            <a:spLocks/>
+          </p:cNvSpPr>
+          <p:nvPr/>
+        </p:nvSpPr>
+        <p:spPr>
+          <a:xfrm>
+            <a:off x="381000" y="1828800"/>
+            <a:ext cx="8001000" cy="457200"/>
+          </a:xfrm>
+          <a:prstGeom prst="rect">
+            <a:avLst/>
+          </a:prstGeom>
+        </p:spPr>
+        <p:txBody>
+          <a:bodyPr vert="horz" lIns="91440" tIns="45720" rIns="91440" bIns="45720" rtlCol="0" anchor="ctr">
+            <a:normAutofit fontScale="55000" lnSpcReduction="20000"/>
+          </a:bodyPr>
+          <a:lstStyle/>
+          <a:p>
+            <a:pPr marL="0" marR="0" lvl="0" indent="0" algn="ctr" defTabSz="914400" rtl="0" eaLnBrk="1" fontAlgn="auto" latinLnBrk="0" hangingPunct="1">
+              <a:lnSpc>
+                <a:spcPct val="100000"/>
+              </a:lnSpc>
+              <a:spcBef>
+                <a:spcPct val="0"/>
+              </a:spcBef>
+              <a:spcAft>
+                <a:spcPts val="0"/>
+              </a:spcAft>
+              <a:buClrTx/>
+              <a:buSzTx/>
+              <a:buFontTx/>
+              <a:buNone/>
+              <a:tabLst/>
+              <a:defRPr/>
+            </a:pPr>
+            <a:r>
+              <a:rPr kumimoji="0" lang="en-US" sz="4600" b="0" i="0" u="none" strike="noStrike" kern="1200" cap="none" spc="0" normalizeH="0" baseline="0" noProof="0" dirty="0" smtClean="0">
+                <a:ln>
+                  <a:noFill/>
+                </a:ln>
+                <a:solidFill>
+                  <a:schemeClr val="tx1"/>
+                </a:solidFill>
+                <a:effectLst/>
+                <a:uLnTx/>
+                <a:uFillTx/>
+                <a:latin typeface="+mj-lt"/>
+                <a:ea typeface="+mj-ea"/>
+                <a:cs typeface="+mj-cs"/>
+              </a:rPr>
+              <a:t> (1) The Grammar</a:t>
+            </a:r>
+            <a:r>
+              <a:rPr kumimoji="0" lang="en-US" sz="4600" b="0" i="0" u="none" strike="noStrike" kern="1200" cap="none" spc="0" normalizeH="0" noProof="0" dirty="0" smtClean="0">
+                <a:ln>
+                  <a:noFill/>
+                </a:ln>
+                <a:solidFill>
+                  <a:schemeClr val="tx1"/>
+                </a:solidFill>
+                <a:effectLst/>
+                <a:uLnTx/>
+                <a:uFillTx/>
+                <a:latin typeface="+mj-lt"/>
+                <a:ea typeface="+mj-ea"/>
+                <a:cs typeface="+mj-cs"/>
+              </a:rPr>
+              <a:t> for </a:t>
+            </a:r>
+            <a:r>
+              <a:rPr lang="en-US" sz="4600" i="1" dirty="0" smtClean="0">
+                <a:latin typeface="High Tower Text" pitchFamily="18" charset="0"/>
+                <a:ea typeface="+mj-ea"/>
+                <a:cs typeface="+mj-cs"/>
+              </a:rPr>
+              <a:t>S</a:t>
+            </a:r>
+            <a:r>
+              <a:rPr kumimoji="0" lang="en-US" sz="4600" b="0" i="1" u="none" strike="noStrike" kern="1200" cap="none" spc="0" normalizeH="0" noProof="0" dirty="0" err="1" smtClean="0">
+                <a:ln>
+                  <a:noFill/>
+                </a:ln>
+                <a:solidFill>
+                  <a:schemeClr val="tx1"/>
+                </a:solidFill>
+                <a:effectLst/>
+                <a:uLnTx/>
+                <a:uFillTx/>
+                <a:latin typeface="High Tower Text" pitchFamily="18" charset="0"/>
+                <a:ea typeface="+mj-ea"/>
+                <a:cs typeface="+mj-cs"/>
+              </a:rPr>
+              <a:t>impleCalc</a:t>
+            </a:r>
+            <a:r>
+              <a:rPr kumimoji="0" lang="en-US" sz="4600" b="0" i="0" u="none" strike="noStrike" kern="1200" cap="none" spc="0" normalizeH="0" noProof="0" dirty="0" smtClean="0">
+                <a:ln>
+                  <a:noFill/>
+                </a:ln>
+                <a:solidFill>
+                  <a:schemeClr val="tx1"/>
+                </a:solidFill>
+                <a:effectLst/>
+                <a:uLnTx/>
+                <a:uFillTx/>
+                <a:latin typeface="+mj-lt"/>
+                <a:ea typeface="+mj-ea"/>
+                <a:cs typeface="+mj-cs"/>
+              </a:rPr>
+              <a:t> inputs is shown below:</a:t>
+            </a:r>
+            <a:endParaRPr kumimoji="0" lang="en-US" sz="4400" b="0" i="0" u="none" strike="noStrike" kern="1200" cap="none" spc="0" normalizeH="0" baseline="0" noProof="0" dirty="0">
+              <a:ln>
+                <a:noFill/>
+              </a:ln>
+              <a:solidFill>
+                <a:schemeClr val="tx1"/>
+              </a:solidFill>
+              <a:effectLst/>
+              <a:uLnTx/>
+              <a:uFillTx/>
+              <a:latin typeface="+mj-lt"/>
+              <a:ea typeface="+mj-ea"/>
+              <a:cs typeface="+mj-cs"/>
+            </a:endParaRPr>
+          </a:p>
+        </p:txBody>
+      </p:sp>
+      <p:sp>
+        <p:nvSpPr>
+          <p:cNvPr id="8" name="标题 1"/>
+          <p:cNvSpPr txBox="1">
+            <a:spLocks/>
+          </p:cNvSpPr>
+          <p:nvPr/>
+        </p:nvSpPr>
+        <p:spPr>
+          <a:xfrm>
+            <a:off x="304800" y="3886200"/>
+            <a:ext cx="7696200" cy="685800"/>
+          </a:xfrm>
+          <a:prstGeom prst="rect">
+            <a:avLst/>
+          </a:prstGeom>
+        </p:spPr>
+        <p:txBody>
+          <a:bodyPr vert="horz" lIns="91440" tIns="45720" rIns="91440" bIns="45720" rtlCol="0" anchor="ctr">
+            <a:normAutofit fontScale="40000" lnSpcReduction="20000"/>
+          </a:bodyPr>
+          <a:lstStyle/>
+          <a:p>
+            <a:pPr algn="ctr">
+              <a:spcBef>
+                <a:spcPct val="0"/>
+              </a:spcBef>
+            </a:pPr>
+            <a:endParaRPr kumimoji="0" lang="en-US" sz="4400" b="0" i="0" u="none" strike="noStrike" kern="1200" cap="none" spc="0" normalizeH="0" baseline="0" noProof="0" dirty="0" smtClean="0">
+              <a:ln>
+                <a:noFill/>
+              </a:ln>
+              <a:solidFill>
+                <a:schemeClr val="tx1"/>
+              </a:solidFill>
+              <a:effectLst/>
+              <a:uLnTx/>
+              <a:uFillTx/>
+              <a:latin typeface="+mj-lt"/>
+              <a:ea typeface="+mj-ea"/>
+              <a:cs typeface="+mj-cs"/>
+            </a:endParaRPr>
+          </a:p>
+          <a:p>
+            <a:pPr algn="ctr">
+              <a:spcBef>
+                <a:spcPct val="0"/>
+              </a:spcBef>
+            </a:pPr>
+            <a:r>
+              <a:rPr kumimoji="0" lang="en-US" sz="4400" b="0" i="0" u="none" strike="noStrike" kern="1200" cap="none" spc="0" normalizeH="0" baseline="0" noProof="0" dirty="0" smtClean="0">
+                <a:ln>
+                  <a:noFill/>
+                </a:ln>
+                <a:solidFill>
+                  <a:schemeClr val="tx1"/>
+                </a:solidFill>
+                <a:effectLst/>
+                <a:uLnTx/>
+                <a:uFillTx/>
+                <a:latin typeface="+mj-lt"/>
+                <a:ea typeface="+mj-ea"/>
+                <a:cs typeface="+mj-cs"/>
+              </a:rPr>
+              <a:t> </a:t>
+            </a:r>
+            <a:r>
+              <a:rPr kumimoji="0" lang="en-US" sz="6500" b="0" i="0" u="none" strike="noStrike" kern="1200" cap="none" spc="0" normalizeH="0" baseline="0" noProof="0" dirty="0" smtClean="0">
+                <a:ln>
+                  <a:noFill/>
+                </a:ln>
+                <a:solidFill>
+                  <a:schemeClr val="tx1"/>
+                </a:solidFill>
+                <a:effectLst/>
+                <a:uLnTx/>
+                <a:uFillTx/>
+                <a:latin typeface="+mj-lt"/>
+                <a:ea typeface="+mj-ea"/>
+                <a:cs typeface="+mj-cs"/>
+              </a:rPr>
+              <a:t>(2) </a:t>
+            </a:r>
+            <a:r>
+              <a:rPr lang="en-US" sz="6600" dirty="0" smtClean="0"/>
+              <a:t> The </a:t>
+            </a:r>
+            <a:r>
+              <a:rPr lang="en-US" sz="6300" dirty="0" smtClean="0"/>
+              <a:t>Symbolic</a:t>
+            </a:r>
+            <a:r>
+              <a:rPr lang="en-US" sz="6600" dirty="0" smtClean="0"/>
+              <a:t> grammar for </a:t>
+            </a:r>
+            <a:r>
+              <a:rPr lang="en-US" sz="6600" i="1" dirty="0" err="1" smtClean="0">
+                <a:latin typeface="High Tower Text" pitchFamily="18" charset="0"/>
+              </a:rPr>
+              <a:t>SimpleCalc</a:t>
+            </a:r>
+            <a:r>
+              <a:rPr lang="en-US" sz="6600" dirty="0" smtClean="0"/>
+              <a:t> inputs </a:t>
+            </a:r>
+          </a:p>
+          <a:p>
+            <a:pPr lvl="0" algn="ctr">
+              <a:spcBef>
+                <a:spcPct val="0"/>
+              </a:spcBef>
+            </a:pPr>
+            <a:endParaRPr kumimoji="0" lang="en-US" sz="6500" b="0" i="0" u="none" strike="noStrike" kern="1200" cap="none" spc="0" normalizeH="0" baseline="0" noProof="0" dirty="0">
+              <a:ln>
+                <a:noFill/>
+              </a:ln>
+              <a:solidFill>
+                <a:schemeClr val="tx1"/>
+              </a:solidFill>
+              <a:effectLst/>
+              <a:uLnTx/>
+              <a:uFillTx/>
+              <a:latin typeface="+mj-lt"/>
+              <a:ea typeface="+mj-ea"/>
+              <a:cs typeface="+mj-cs"/>
+            </a:endParaRPr>
+          </a:p>
+        </p:txBody>
+      </p:sp>
+      <p:sp>
+        <p:nvSpPr>
+          <p:cNvPr id="9" name="아래로 구부러진 화살표 8"/>
+          <p:cNvSpPr/>
+          <p:nvPr/>
+        </p:nvSpPr>
+        <p:spPr>
+          <a:xfrm rot="16200000" flipH="1" flipV="1">
+            <a:off x="6362700" y="3543301"/>
+            <a:ext cx="1981199" cy="1600200"/>
+          </a:xfrm>
+          <a:prstGeom prst="curvedDownArrow">
+            <a:avLst/>
+          </a:prstGeom>
+        </p:spPr>
+        <p:style>
+          <a:lnRef idx="2">
+            <a:schemeClr val="accent1">
+              <a:shade val="50000"/>
+            </a:schemeClr>
+          </a:lnRef>
+          <a:fillRef idx="1">
+            <a:schemeClr val="accent1"/>
+          </a:fillRef>
+          <a:effectRef idx="0">
+            <a:schemeClr val="accent1"/>
+          </a:effectRef>
+          <a:fontRef idx="minor">
+            <a:schemeClr val="lt1"/>
+          </a:fontRef>
+        </p:style>
+        <p:txBody>
+          <a:bodyPr rtlCol="0" anchor="ctr"/>
+          <a:lstStyle/>
+          <a:p>
+            <a:pPr algn="ctr"/>
+            <a:endParaRPr lang="ko-KR" altLang="en-US">
+              <a:solidFill>
+                <a:schemeClr val="tx1"/>
+              </a:solidFill>
+            </a:endParaRPr>
+          </a:p>
+        </p:txBody>
+      </p:sp>
+    </p:spTree>
+  </p:cSld>
+  <p:clrMapOvr>
+    <a:masterClrMapping/>
+  </p:clrMapOvr>
+</p:sld>
+</file>
+
 <file path=ppt/slides/slide2.xml><?xml version="1.0" encoding="utf-8"?>
 <p:sld xmlns:a="http://schemas.openxmlformats.org/drawingml/2006/main" xmlns:r="http://schemas.openxmlformats.org/officeDocument/2006/relationships" xmlns:p="http://schemas.openxmlformats.org/presentationml/2006/main">
   <p:cSld>
@@ -5206,32 +6683,20 @@
             </a:r>
           </a:p>
           <a:p>
-            <a:pPr lvl="1"/>
-            <a:r>
-              <a:rPr lang="en-US" sz="2400" dirty="0" smtClean="0"/>
-              <a:t>Test generation using dynamic symbolic execution</a:t>
-            </a:r>
-          </a:p>
-          <a:p>
-            <a:r>
-              <a:rPr lang="en-US" dirty="0" smtClean="0"/>
-              <a:t>Path explosion problem </a:t>
-            </a:r>
-          </a:p>
-          <a:p>
             <a:pPr lvl="1">
               <a:buFont typeface="Courier New" pitchFamily="49" charset="0"/>
               <a:buChar char="o"/>
             </a:pPr>
             <a:r>
-              <a:rPr lang="en-US" dirty="0"/>
-              <a:t>	</a:t>
-            </a:r>
-            <a:r>
-              <a:rPr lang="en-US" dirty="0" smtClean="0"/>
-              <a:t>NP-complete problem</a:t>
-            </a:r>
-            <a:endParaRPr lang="en-US" dirty="0"/>
+              <a:rPr lang="en-US" sz="2400" dirty="0" smtClean="0"/>
+              <a:t>Test generation using dynamic symbolic execution</a:t>
+            </a:r>
+          </a:p>
+          <a:p>
+            <a:r>
+              <a:rPr lang="en-US" dirty="0" smtClean="0"/>
+              <a:t>Path explosion problem </a:t>
+            </a:r>
           </a:p>
           <a:p>
             <a:pPr lvl="1">
@@ -5239,15 +6704,14 @@
               <a:buChar char="o"/>
             </a:pPr>
             <a:r>
-              <a:rPr lang="en-US" dirty="0" smtClean="0"/>
-              <a:t>	Greedy algorithm:  fitness guided exploration</a:t>
-            </a:r>
-          </a:p>
-          <a:p>
-            <a:r>
-              <a:rPr lang="en-US" dirty="0" smtClean="0"/>
-              <a:t>String constraint solver </a:t>
-            </a:r>
+              <a:rPr lang="en-US" dirty="0"/>
+              <a:t>	</a:t>
+            </a:r>
+            <a:r>
+              <a:rPr lang="en-US" dirty="0" smtClean="0"/>
+              <a:t>NP-complete problem</a:t>
+            </a:r>
+            <a:endParaRPr lang="en-US" dirty="0"/>
           </a:p>
           <a:p>
             <a:pPr lvl="1">
@@ -5256,13 +6720,13 @@
             </a:pPr>
             <a:r>
               <a:rPr lang="en-US" dirty="0" smtClean="0"/>
-              <a:t>Hampi: Context free grammar</a:t>
-            </a:r>
-          </a:p>
-          <a:p>
-            <a:r>
-              <a:rPr lang="en-US" dirty="0" smtClean="0"/>
-              <a:t>Symbolic Grammar</a:t>
+              <a:t>	Greedy algorithm:  fitness guided exploration</a:t>
+            </a:r>
+          </a:p>
+          <a:p>
+            <a:r>
+              <a:rPr lang="en-US" dirty="0" smtClean="0"/>
+              <a:t>String constraint solver </a:t>
             </a:r>
           </a:p>
           <a:p>
@@ -5272,7 +6736,13 @@
             </a:pPr>
             <a:r>
               <a:rPr lang="en-US" dirty="0" smtClean="0"/>
-              <a:t>Context free grammar</a:t>
+              <a:t>Hampi: Context free grammar</a:t>
+            </a:r>
+          </a:p>
+          <a:p>
+            <a:r>
+              <a:rPr lang="en-US" dirty="0" smtClean="0"/>
+              <a:t>Symbolic Grammar</a:t>
             </a:r>
           </a:p>
           <a:p>
@@ -5280,7 +6750,358 @@
               <a:buFont typeface="Courier New" pitchFamily="49" charset="0"/>
               <a:buChar char="o"/>
             </a:pPr>
+            <a:r>
+              <a:rPr lang="en-US" dirty="0" smtClean="0"/>
+              <a:t>Context free grammar</a:t>
+            </a:r>
+          </a:p>
+          <a:p>
+            <a:pPr lvl="1">
+              <a:buFont typeface="Courier New" pitchFamily="49" charset="0"/>
+              <a:buChar char="o"/>
+            </a:pPr>
             <a:endParaRPr lang="en-US" dirty="0"/>
+          </a:p>
+        </p:txBody>
+      </p:sp>
+    </p:spTree>
+  </p:cSld>
+  <p:clrMapOvr>
+    <a:masterClrMapping/>
+  </p:clrMapOvr>
+</p:sld>
+</file>
+
+<file path=ppt/slides/slide20.xml><?xml version="1.0" encoding="utf-8"?>
+<p:sld xmlns:a="http://schemas.openxmlformats.org/drawingml/2006/main" xmlns:r="http://schemas.openxmlformats.org/officeDocument/2006/relationships" xmlns:p="http://schemas.openxmlformats.org/presentationml/2006/main">
+  <p:cSld>
+    <p:spTree>
+      <p:nvGrpSpPr>
+        <p:cNvPr id="1" name=""/>
+        <p:cNvGrpSpPr/>
+        <p:nvPr/>
+      </p:nvGrpSpPr>
+      <p:grpSpPr>
+        <a:xfrm>
+          <a:off x="0" y="0"/>
+          <a:ext cx="0" cy="0"/>
+          <a:chOff x="0" y="0"/>
+          <a:chExt cx="0" cy="0"/>
+        </a:xfrm>
+      </p:grpSpPr>
+      <p:sp>
+        <p:nvSpPr>
+          <p:cNvPr id="2" name="제목 1"/>
+          <p:cNvSpPr>
+            <a:spLocks noGrp="1"/>
+          </p:cNvSpPr>
+          <p:nvPr>
+            <p:ph type="title"/>
+          </p:nvPr>
+        </p:nvSpPr>
+        <p:spPr>
+          <a:xfrm>
+            <a:off x="457200" y="274638"/>
+            <a:ext cx="8229600" cy="1020762"/>
+          </a:xfrm>
+        </p:spPr>
+        <p:txBody>
+          <a:bodyPr/>
+          <a:lstStyle/>
+          <a:p>
+            <a:r>
+              <a:rPr lang="en-US" altLang="ko-KR" dirty="0" smtClean="0"/>
+              <a:t>Symbolic Grammar</a:t>
+            </a:r>
+            <a:endParaRPr lang="ko-KR" altLang="en-US" dirty="0"/>
+          </a:p>
+        </p:txBody>
+      </p:sp>
+      <p:sp>
+        <p:nvSpPr>
+          <p:cNvPr id="5" name="제목 1"/>
+          <p:cNvSpPr txBox="1">
+            <a:spLocks/>
+          </p:cNvSpPr>
+          <p:nvPr/>
+        </p:nvSpPr>
+        <p:spPr>
+          <a:xfrm>
+            <a:off x="76200" y="1371600"/>
+            <a:ext cx="8763000" cy="3505200"/>
+          </a:xfrm>
+          <a:prstGeom prst="rect">
+            <a:avLst/>
+          </a:prstGeom>
+        </p:spPr>
+        <p:txBody>
+          <a:bodyPr vert="horz" lIns="91440" tIns="45720" rIns="91440" bIns="45720" rtlCol="0" anchor="ctr">
+            <a:normAutofit/>
+          </a:bodyPr>
+          <a:lstStyle/>
+          <a:p>
+            <a:pPr marL="0" marR="0" lvl="0" indent="0" defTabSz="914400" rtl="0" eaLnBrk="1" fontAlgn="auto" latinLnBrk="0" hangingPunct="1">
+              <a:lnSpc>
+                <a:spcPct val="100000"/>
+              </a:lnSpc>
+              <a:spcBef>
+                <a:spcPct val="0"/>
+              </a:spcBef>
+              <a:spcAft>
+                <a:spcPts val="0"/>
+              </a:spcAft>
+              <a:buClrTx/>
+              <a:buSzTx/>
+              <a:buFont typeface="Arial" pitchFamily="34" charset="0"/>
+              <a:buChar char="•"/>
+              <a:tabLst/>
+              <a:defRPr/>
+            </a:pPr>
+            <a:r>
+              <a:rPr kumimoji="0" lang="en-US" altLang="ko-KR" sz="3200" b="0" i="0" u="none" strike="noStrike" kern="1200" cap="none" spc="0" normalizeH="0" noProof="0" dirty="0" smtClean="0">
+                <a:ln>
+                  <a:noFill/>
+                </a:ln>
+                <a:solidFill>
+                  <a:schemeClr val="tx1"/>
+                </a:solidFill>
+                <a:effectLst/>
+                <a:uLnTx/>
+                <a:uFillTx/>
+                <a:latin typeface="+mj-lt"/>
+                <a:ea typeface="+mj-ea"/>
+                <a:cs typeface="+mj-cs"/>
+              </a:rPr>
+              <a:t>   Use Exhaustive Enumeration on Symbolic Grammar and generate inputs</a:t>
+            </a:r>
+          </a:p>
+          <a:p>
+            <a:pPr marL="0" marR="0" lvl="0" indent="0" defTabSz="914400" rtl="0" eaLnBrk="1" fontAlgn="auto" latinLnBrk="0" hangingPunct="1">
+              <a:lnSpc>
+                <a:spcPct val="100000"/>
+              </a:lnSpc>
+              <a:spcBef>
+                <a:spcPct val="0"/>
+              </a:spcBef>
+              <a:spcAft>
+                <a:spcPts val="0"/>
+              </a:spcAft>
+              <a:buClrTx/>
+              <a:buSzTx/>
+              <a:buFont typeface="Arial" pitchFamily="34" charset="0"/>
+              <a:buChar char="•"/>
+              <a:tabLst/>
+              <a:defRPr/>
+            </a:pPr>
+            <a:r>
+              <a:rPr lang="en-US" altLang="ko-KR" sz="3200" dirty="0" smtClean="0">
+                <a:latin typeface="+mj-lt"/>
+                <a:ea typeface="+mj-ea"/>
+                <a:cs typeface="+mj-cs"/>
+              </a:rPr>
+              <a:t>   Use dynamic symbolic execution for generating concrete values for symbolic values</a:t>
+            </a:r>
+          </a:p>
+          <a:p>
+            <a:pPr marL="0" marR="0" lvl="0" indent="0" defTabSz="914400" rtl="0" eaLnBrk="1" fontAlgn="auto" latinLnBrk="0" hangingPunct="1">
+              <a:lnSpc>
+                <a:spcPct val="100000"/>
+              </a:lnSpc>
+              <a:spcBef>
+                <a:spcPct val="0"/>
+              </a:spcBef>
+              <a:spcAft>
+                <a:spcPts val="0"/>
+              </a:spcAft>
+              <a:buClrTx/>
+              <a:buSzTx/>
+              <a:buFont typeface="Arial" pitchFamily="34" charset="0"/>
+              <a:buChar char="•"/>
+              <a:tabLst/>
+              <a:defRPr/>
+            </a:pPr>
+            <a:r>
+              <a:rPr kumimoji="0" lang="en-US" altLang="ko-KR" sz="3200" b="0" i="0" u="none" strike="noStrike" kern="1200" cap="none" spc="0" normalizeH="0" noProof="0" dirty="0" smtClean="0">
+                <a:ln>
+                  <a:noFill/>
+                </a:ln>
+                <a:solidFill>
+                  <a:schemeClr val="tx1"/>
+                </a:solidFill>
+                <a:effectLst/>
+                <a:uLnTx/>
+                <a:uFillTx/>
+                <a:latin typeface="+mj-lt"/>
+                <a:ea typeface="+mj-ea"/>
+                <a:cs typeface="+mj-cs"/>
+              </a:rPr>
+              <a:t>   Number of inputs generated: 6,611</a:t>
+            </a:r>
+          </a:p>
+        </p:txBody>
+      </p:sp>
+    </p:spTree>
+  </p:cSld>
+  <p:clrMapOvr>
+    <a:masterClrMapping/>
+  </p:clrMapOvr>
+</p:sld>
+</file>
+
+<file path=ppt/slides/slide21.xml><?xml version="1.0" encoding="utf-8"?>
+<p:sld xmlns:a="http://schemas.openxmlformats.org/drawingml/2006/main" xmlns:r="http://schemas.openxmlformats.org/officeDocument/2006/relationships" xmlns:p="http://schemas.openxmlformats.org/presentationml/2006/main">
+  <p:cSld>
+    <p:spTree>
+      <p:nvGrpSpPr>
+        <p:cNvPr id="1" name=""/>
+        <p:cNvGrpSpPr/>
+        <p:nvPr/>
+      </p:nvGrpSpPr>
+      <p:grpSpPr>
+        <a:xfrm>
+          <a:off x="0" y="0"/>
+          <a:ext cx="0" cy="0"/>
+          <a:chOff x="0" y="0"/>
+          <a:chExt cx="0" cy="0"/>
+        </a:xfrm>
+      </p:grpSpPr>
+      <p:sp>
+        <p:nvSpPr>
+          <p:cNvPr id="2" name="标题 1"/>
+          <p:cNvSpPr>
+            <a:spLocks noGrp="1"/>
+          </p:cNvSpPr>
+          <p:nvPr>
+            <p:ph type="title"/>
+          </p:nvPr>
+        </p:nvSpPr>
+        <p:spPr/>
+        <p:txBody>
+          <a:bodyPr/>
+          <a:lstStyle/>
+          <a:p>
+            <a:endParaRPr lang="en-US" dirty="0"/>
+          </a:p>
+        </p:txBody>
+      </p:sp>
+      <p:sp>
+        <p:nvSpPr>
+          <p:cNvPr id="3" name="内容占位符 2"/>
+          <p:cNvSpPr>
+            <a:spLocks noGrp="1"/>
+          </p:cNvSpPr>
+          <p:nvPr>
+            <p:ph idx="1"/>
+          </p:nvPr>
+        </p:nvSpPr>
+        <p:spPr/>
+        <p:txBody>
+          <a:bodyPr/>
+          <a:lstStyle/>
+          <a:p>
+            <a:pPr>
+              <a:buNone/>
+            </a:pPr>
+            <a:endParaRPr lang="en-US" dirty="0"/>
+          </a:p>
+        </p:txBody>
+      </p:sp>
+      <p:sp>
+        <p:nvSpPr>
+          <p:cNvPr id="4" name="矩形 3"/>
+          <p:cNvSpPr/>
+          <p:nvPr/>
+        </p:nvSpPr>
+        <p:spPr>
+          <a:xfrm>
+            <a:off x="2875573" y="2967335"/>
+            <a:ext cx="3392853" cy="923330"/>
+          </a:xfrm>
+          <a:prstGeom prst="rect">
+            <a:avLst/>
+          </a:prstGeom>
+          <a:noFill/>
+        </p:spPr>
+        <p:txBody>
+          <a:bodyPr wrap="none" lIns="91440" tIns="45720" rIns="91440" bIns="45720">
+            <a:spAutoFit/>
+          </a:bodyPr>
+          <a:lstStyle/>
+          <a:p>
+            <a:pPr algn="ctr"/>
+            <a:r>
+              <a:rPr lang="en-US" sz="5400" b="1" cap="none" spc="0" dirty="0" smtClean="0">
+                <a:ln w="17780" cmpd="sng">
+                  <a:solidFill>
+                    <a:schemeClr val="accent1">
+                      <a:tint val="3000"/>
+                    </a:schemeClr>
+                  </a:solidFill>
+                  <a:prstDash val="solid"/>
+                  <a:miter lim="800000"/>
+                </a:ln>
+                <a:gradFill>
+                  <a:gsLst>
+                    <a:gs pos="10000">
+                      <a:schemeClr val="accent1">
+                        <a:tint val="63000"/>
+                        <a:sat val="105000"/>
+                      </a:schemeClr>
+                    </a:gs>
+                    <a:gs pos="90000">
+                      <a:schemeClr val="accent1">
+                        <a:shade val="50000"/>
+                        <a:satMod val="100000"/>
+                      </a:schemeClr>
+                    </a:gs>
+                  </a:gsLst>
+                  <a:lin ang="5400000"/>
+                </a:gradFill>
+                <a:effectLst>
+                  <a:outerShdw blurRad="55000" dist="50800" dir="5400000" algn="tl">
+                    <a:srgbClr val="000000">
+                      <a:alpha val="33000"/>
+                    </a:srgbClr>
+                  </a:outerShdw>
+                </a:effectLst>
+              </a:rPr>
+              <a:t>Thank you!</a:t>
+            </a:r>
+            <a:endParaRPr lang="en-US" sz="5400" b="1" cap="none" spc="0" dirty="0">
+              <a:ln w="17780" cmpd="sng">
+                <a:solidFill>
+                  <a:schemeClr val="accent1">
+                    <a:tint val="3000"/>
+                  </a:schemeClr>
+                </a:solidFill>
+                <a:prstDash val="solid"/>
+                <a:miter lim="800000"/>
+              </a:ln>
+              <a:gradFill>
+                <a:gsLst>
+                  <a:gs pos="10000">
+                    <a:schemeClr val="accent1">
+                      <a:tint val="63000"/>
+                      <a:sat val="105000"/>
+                    </a:schemeClr>
+                  </a:gs>
+                  <a:gs pos="90000">
+                    <a:schemeClr val="accent1">
+                      <a:shade val="50000"/>
+                      <a:satMod val="100000"/>
+                    </a:schemeClr>
+                  </a:gs>
+                </a:gsLst>
+                <a:lin ang="5400000"/>
+              </a:gradFill>
+              <a:effectLst>
+                <a:outerShdw blurRad="55000" dist="50800" dir="5400000" algn="tl">
+                  <a:srgbClr val="000000">
+                    <a:alpha val="33000"/>
+                  </a:srgbClr>
+                </a:outerShdw>
+              </a:effectLst>
+            </a:endParaRPr>
           </a:p>
         </p:txBody>
       </p:sp>
